--- a/documents/SPRESSO vulnerabilities.pptx
+++ b/documents/SPRESSO vulnerabilities.pptx
@@ -112,6 +112,11 @@
       </a:defRPr>
     </a:lvl9pPr>
   </p:defaultTextStyle>
+  <p:extLst>
+    <p:ext uri="{EFAFB233-063F-42B5-8137-9DF3F51BA10A}">
+      <p15:sldGuideLst xmlns:p15="http://schemas.microsoft.com/office/powerpoint/2012/main"/>
+    </p:ext>
+  </p:extLst>
 </p:presentation>
 </file>
 
@@ -246,7 +251,7 @@
           <a:p>
             <a:fld id="{816C29AD-4272-47B8-A00C-F39ADA1D8336}" type="datetimeFigureOut">
               <a:rPr lang="zh-CN" altLang="en-US" smtClean="0"/>
-              <a:t>2019/9/2</a:t>
+              <a:t>2019/9/3</a:t>
             </a:fld>
             <a:endParaRPr lang="zh-CN" altLang="en-US"/>
           </a:p>
@@ -416,7 +421,7 @@
           <a:p>
             <a:fld id="{816C29AD-4272-47B8-A00C-F39ADA1D8336}" type="datetimeFigureOut">
               <a:rPr lang="zh-CN" altLang="en-US" smtClean="0"/>
-              <a:t>2019/9/2</a:t>
+              <a:t>2019/9/3</a:t>
             </a:fld>
             <a:endParaRPr lang="zh-CN" altLang="en-US"/>
           </a:p>
@@ -596,7 +601,7 @@
           <a:p>
             <a:fld id="{816C29AD-4272-47B8-A00C-F39ADA1D8336}" type="datetimeFigureOut">
               <a:rPr lang="zh-CN" altLang="en-US" smtClean="0"/>
-              <a:t>2019/9/2</a:t>
+              <a:t>2019/9/3</a:t>
             </a:fld>
             <a:endParaRPr lang="zh-CN" altLang="en-US"/>
           </a:p>
@@ -766,7 +771,7 @@
           <a:p>
             <a:fld id="{816C29AD-4272-47B8-A00C-F39ADA1D8336}" type="datetimeFigureOut">
               <a:rPr lang="zh-CN" altLang="en-US" smtClean="0"/>
-              <a:t>2019/9/2</a:t>
+              <a:t>2019/9/3</a:t>
             </a:fld>
             <a:endParaRPr lang="zh-CN" altLang="en-US"/>
           </a:p>
@@ -1012,7 +1017,7 @@
           <a:p>
             <a:fld id="{816C29AD-4272-47B8-A00C-F39ADA1D8336}" type="datetimeFigureOut">
               <a:rPr lang="zh-CN" altLang="en-US" smtClean="0"/>
-              <a:t>2019/9/2</a:t>
+              <a:t>2019/9/3</a:t>
             </a:fld>
             <a:endParaRPr lang="zh-CN" altLang="en-US"/>
           </a:p>
@@ -1244,7 +1249,7 @@
           <a:p>
             <a:fld id="{816C29AD-4272-47B8-A00C-F39ADA1D8336}" type="datetimeFigureOut">
               <a:rPr lang="zh-CN" altLang="en-US" smtClean="0"/>
-              <a:t>2019/9/2</a:t>
+              <a:t>2019/9/3</a:t>
             </a:fld>
             <a:endParaRPr lang="zh-CN" altLang="en-US"/>
           </a:p>
@@ -1611,7 +1616,7 @@
           <a:p>
             <a:fld id="{816C29AD-4272-47B8-A00C-F39ADA1D8336}" type="datetimeFigureOut">
               <a:rPr lang="zh-CN" altLang="en-US" smtClean="0"/>
-              <a:t>2019/9/2</a:t>
+              <a:t>2019/9/3</a:t>
             </a:fld>
             <a:endParaRPr lang="zh-CN" altLang="en-US"/>
           </a:p>
@@ -1729,7 +1734,7 @@
           <a:p>
             <a:fld id="{816C29AD-4272-47B8-A00C-F39ADA1D8336}" type="datetimeFigureOut">
               <a:rPr lang="zh-CN" altLang="en-US" smtClean="0"/>
-              <a:t>2019/9/2</a:t>
+              <a:t>2019/9/3</a:t>
             </a:fld>
             <a:endParaRPr lang="zh-CN" altLang="en-US"/>
           </a:p>
@@ -1824,7 +1829,7 @@
           <a:p>
             <a:fld id="{816C29AD-4272-47B8-A00C-F39ADA1D8336}" type="datetimeFigureOut">
               <a:rPr lang="zh-CN" altLang="en-US" smtClean="0"/>
-              <a:t>2019/9/2</a:t>
+              <a:t>2019/9/3</a:t>
             </a:fld>
             <a:endParaRPr lang="zh-CN" altLang="en-US"/>
           </a:p>
@@ -2101,7 +2106,7 @@
           <a:p>
             <a:fld id="{816C29AD-4272-47B8-A00C-F39ADA1D8336}" type="datetimeFigureOut">
               <a:rPr lang="zh-CN" altLang="en-US" smtClean="0"/>
-              <a:t>2019/9/2</a:t>
+              <a:t>2019/9/3</a:t>
             </a:fld>
             <a:endParaRPr lang="zh-CN" altLang="en-US"/>
           </a:p>
@@ -2354,7 +2359,7 @@
           <a:p>
             <a:fld id="{816C29AD-4272-47B8-A00C-F39ADA1D8336}" type="datetimeFigureOut">
               <a:rPr lang="zh-CN" altLang="en-US" smtClean="0"/>
-              <a:t>2019/9/2</a:t>
+              <a:t>2019/9/3</a:t>
             </a:fld>
             <a:endParaRPr lang="zh-CN" altLang="en-US"/>
           </a:p>
@@ -2567,7 +2572,7 @@
           <a:p>
             <a:fld id="{816C29AD-4272-47B8-A00C-F39ADA1D8336}" type="datetimeFigureOut">
               <a:rPr lang="zh-CN" altLang="en-US" smtClean="0"/>
-              <a:t>2019/9/2</a:t>
+              <a:t>2019/9/3</a:t>
             </a:fld>
             <a:endParaRPr lang="zh-CN" altLang="en-US"/>
           </a:p>
@@ -3091,22 +3096,68 @@
             <a:pPr lvl="1"/>
             <a:r>
               <a:rPr lang="en-US" altLang="zh-CN" dirty="0" smtClean="0"/>
-              <a:t>Steal user’s identity proof for honest RP</a:t>
-            </a:r>
+              <a:t>Steal user’s identity proof for honest </a:t>
+            </a:r>
+            <a:r>
+              <a:rPr lang="en-US" altLang="zh-CN" dirty="0" smtClean="0"/>
+              <a:t>RP </a:t>
+            </a:r>
+            <a:r>
+              <a:rPr lang="en-US" altLang="zh-CN" dirty="0" smtClean="0"/>
+              <a:t>(</a:t>
+            </a:r>
+            <a:r>
+              <a:rPr lang="en-US" altLang="zh-CN" dirty="0"/>
+              <a:t>Confidentiality</a:t>
+            </a:r>
+            <a:r>
+              <a:rPr lang="en-US" altLang="zh-CN" dirty="0" smtClean="0"/>
+              <a:t>)</a:t>
+            </a:r>
+            <a:endParaRPr lang="en-US" altLang="zh-CN" dirty="0" smtClean="0"/>
           </a:p>
           <a:p>
             <a:pPr lvl="1"/>
             <a:r>
               <a:rPr lang="en-US" altLang="zh-CN" dirty="0" smtClean="0"/>
-              <a:t>Identity proof injection for honest RP</a:t>
+              <a:t>Identity </a:t>
+            </a:r>
+            <a:r>
+              <a:rPr lang="en-US" altLang="zh-CN" dirty="0" smtClean="0"/>
+              <a:t>injection for honest RP (</a:t>
+            </a:r>
+            <a:r>
+              <a:rPr lang="en-US" altLang="zh-CN" dirty="0"/>
+              <a:t>Integrity</a:t>
+            </a:r>
+            <a:r>
+              <a:rPr lang="en-US" altLang="zh-CN" dirty="0" smtClean="0"/>
+              <a:t>)</a:t>
             </a:r>
           </a:p>
           <a:p>
             <a:pPr lvl="1"/>
             <a:r>
               <a:rPr lang="en-US" altLang="zh-CN" dirty="0" smtClean="0"/>
-              <a:t>Construct valid identity proof with malicious RP</a:t>
-            </a:r>
+              <a:t>Construct </a:t>
+            </a:r>
+            <a:r>
+              <a:rPr lang="en-US" altLang="zh-CN" dirty="0" smtClean="0"/>
+              <a:t>valid identity proof with malicious </a:t>
+            </a:r>
+            <a:r>
+              <a:rPr lang="en-US" altLang="zh-CN" dirty="0" smtClean="0"/>
+              <a:t>RP (Binding or </a:t>
+            </a:r>
+            <a:r>
+              <a:rPr lang="en-US" altLang="zh-CN" dirty="0" smtClean="0"/>
+              <a:t>Confidentiality</a:t>
+            </a:r>
+            <a:r>
+              <a:rPr lang="en-US" altLang="zh-CN" dirty="0" smtClean="0"/>
+              <a:t>)</a:t>
+            </a:r>
+            <a:endParaRPr lang="en-US" altLang="zh-CN" dirty="0" smtClean="0"/>
           </a:p>
           <a:p>
             <a:pPr lvl="1"/>
@@ -3164,7 +3215,7 @@
           <a:p>
             <a:r>
               <a:rPr lang="en-US" altLang="zh-CN" dirty="0" smtClean="0"/>
-              <a:t>Malicious FWD</a:t>
+              <a:t>Choose FWD</a:t>
             </a:r>
             <a:endParaRPr lang="zh-CN" altLang="en-US" dirty="0"/>
           </a:p>
@@ -3406,7 +3457,11 @@
           <a:bodyPr/>
           <a:lstStyle/>
           <a:p>
-            <a:endParaRPr lang="zh-CN" altLang="en-US"/>
+            <a:r>
+              <a:rPr lang="en-US" altLang="zh-CN" dirty="0"/>
+              <a:t>Steal user’s identity proof for honest RP</a:t>
+            </a:r>
+            <a:endParaRPr lang="zh-CN" altLang="en-US" dirty="0"/>
           </a:p>
         </p:txBody>
       </p:sp>
@@ -3524,7 +3579,15 @@
           <a:p>
             <a:r>
               <a:rPr lang="en-US" altLang="zh-CN" dirty="0" smtClean="0"/>
-              <a:t>Identity proof injection for honest RP</a:t>
+              <a:t>Identity </a:t>
+            </a:r>
+            <a:r>
+              <a:rPr lang="en-US" altLang="zh-CN" dirty="0" smtClean="0"/>
+              <a:t>injection </a:t>
+            </a:r>
+            <a:r>
+              <a:rPr lang="en-US" altLang="zh-CN" dirty="0" smtClean="0"/>
+              <a:t>for honest RP</a:t>
             </a:r>
             <a:endParaRPr lang="zh-CN" altLang="en-US" dirty="0"/>
           </a:p>
@@ -3688,7 +3751,7 @@
       </p:sp>
       <p:pic>
         <p:nvPicPr>
-          <p:cNvPr id="6" name="图片 5"/>
+          <p:cNvPr id="4" name="图片 3"/>
           <p:cNvPicPr>
             <a:picLocks noChangeAspect="1"/>
           </p:cNvPicPr>
@@ -3702,8 +3765,8 @@
         </p:blipFill>
         <p:spPr>
           <a:xfrm>
-            <a:off x="1061049" y="2311202"/>
-            <a:ext cx="8100204" cy="4455539"/>
+            <a:off x="1175887" y="2373627"/>
+            <a:ext cx="6265935" cy="3682117"/>
           </a:xfrm>
           <a:prstGeom prst="rect">
             <a:avLst/>
